--- a/Figures/Other/Figures2.pptx
+++ b/Figures/Other/Figures2.pptx
@@ -105,6 +105,11 @@
       </a:defRPr>
     </a:lvl9pPr>
   </p:defaultTextStyle>
+  <p:extLst>
+    <p:ext uri="{EFAFB233-063F-42B5-8137-9DF3F51BA10A}">
+      <p15:sldGuideLst xmlns:p15="http://schemas.microsoft.com/office/powerpoint/2012/main"/>
+    </p:ext>
+  </p:extLst>
 </p:presentation>
 </file>
 
@@ -153,7 +158,6 @@
               <a:rPr lang="en-US"/>
               <a:t>Click to edit Master title style</a:t>
             </a:r>
-            <a:endParaRPr lang="en-US"/>
           </a:p>
         </p:txBody>
       </p:sp>
@@ -218,7 +222,6 @@
               <a:rPr lang="en-US"/>
               <a:t>Click to edit Master subtitle style</a:t>
             </a:r>
-            <a:endParaRPr lang="en-US"/>
           </a:p>
         </p:txBody>
       </p:sp>
@@ -239,7 +242,7 @@
           <a:p>
             <a:fld id="{566D4228-6ADE-44F0-B595-939BA284937E}" type="datetimeFigureOut">
               <a:rPr lang="en-US" smtClean="0"/>
-              <a:t>12/6/2016</a:t>
+              <a:t>12/16/2016</a:t>
             </a:fld>
             <a:endParaRPr lang="en-US"/>
           </a:p>
@@ -336,7 +339,6 @@
               <a:rPr lang="en-US"/>
               <a:t>Click to edit Master title style</a:t>
             </a:r>
-            <a:endParaRPr lang="en-US"/>
           </a:p>
         </p:txBody>
       </p:sp>
@@ -388,7 +390,6 @@
               <a:rPr lang="en-US"/>
               <a:t>Fifth level</a:t>
             </a:r>
-            <a:endParaRPr lang="en-US"/>
           </a:p>
         </p:txBody>
       </p:sp>
@@ -409,7 +410,7 @@
           <a:p>
             <a:fld id="{566D4228-6ADE-44F0-B595-939BA284937E}" type="datetimeFigureOut">
               <a:rPr lang="en-US" smtClean="0"/>
-              <a:t>12/6/2016</a:t>
+              <a:t>12/16/2016</a:t>
             </a:fld>
             <a:endParaRPr lang="en-US"/>
           </a:p>
@@ -511,7 +512,6 @@
               <a:rPr lang="en-US"/>
               <a:t>Click to edit Master title style</a:t>
             </a:r>
-            <a:endParaRPr lang="en-US"/>
           </a:p>
         </p:txBody>
       </p:sp>
@@ -568,7 +568,6 @@
               <a:rPr lang="en-US"/>
               <a:t>Fifth level</a:t>
             </a:r>
-            <a:endParaRPr lang="en-US"/>
           </a:p>
         </p:txBody>
       </p:sp>
@@ -589,7 +588,7 @@
           <a:p>
             <a:fld id="{566D4228-6ADE-44F0-B595-939BA284937E}" type="datetimeFigureOut">
               <a:rPr lang="en-US" smtClean="0"/>
-              <a:t>12/6/2016</a:t>
+              <a:t>12/16/2016</a:t>
             </a:fld>
             <a:endParaRPr lang="en-US"/>
           </a:p>
@@ -686,7 +685,6 @@
               <a:rPr lang="en-US"/>
               <a:t>Click to edit Master title style</a:t>
             </a:r>
-            <a:endParaRPr lang="en-US"/>
           </a:p>
         </p:txBody>
       </p:sp>
@@ -738,7 +736,6 @@
               <a:rPr lang="en-US"/>
               <a:t>Fifth level</a:t>
             </a:r>
-            <a:endParaRPr lang="en-US"/>
           </a:p>
         </p:txBody>
       </p:sp>
@@ -759,7 +756,7 @@
           <a:p>
             <a:fld id="{566D4228-6ADE-44F0-B595-939BA284937E}" type="datetimeFigureOut">
               <a:rPr lang="en-US" smtClean="0"/>
-              <a:t>12/6/2016</a:t>
+              <a:t>12/16/2016</a:t>
             </a:fld>
             <a:endParaRPr lang="en-US"/>
           </a:p>
@@ -865,7 +862,6 @@
               <a:rPr lang="en-US"/>
               <a:t>Click to edit Master title style</a:t>
             </a:r>
-            <a:endParaRPr lang="en-US"/>
           </a:p>
         </p:txBody>
       </p:sp>
@@ -1005,7 +1001,7 @@
           <a:p>
             <a:fld id="{566D4228-6ADE-44F0-B595-939BA284937E}" type="datetimeFigureOut">
               <a:rPr lang="en-US" smtClean="0"/>
-              <a:t>12/6/2016</a:t>
+              <a:t>12/16/2016</a:t>
             </a:fld>
             <a:endParaRPr lang="en-US"/>
           </a:p>
@@ -1102,7 +1098,6 @@
               <a:rPr lang="en-US"/>
               <a:t>Click to edit Master title style</a:t>
             </a:r>
-            <a:endParaRPr lang="en-US"/>
           </a:p>
         </p:txBody>
       </p:sp>
@@ -1159,7 +1154,6 @@
               <a:rPr lang="en-US"/>
               <a:t>Fifth level</a:t>
             </a:r>
-            <a:endParaRPr lang="en-US"/>
           </a:p>
         </p:txBody>
       </p:sp>
@@ -1216,7 +1210,6 @@
               <a:rPr lang="en-US"/>
               <a:t>Fifth level</a:t>
             </a:r>
-            <a:endParaRPr lang="en-US"/>
           </a:p>
         </p:txBody>
       </p:sp>
@@ -1237,7 +1230,7 @@
           <a:p>
             <a:fld id="{566D4228-6ADE-44F0-B595-939BA284937E}" type="datetimeFigureOut">
               <a:rPr lang="en-US" smtClean="0"/>
-              <a:t>12/6/2016</a:t>
+              <a:t>12/16/2016</a:t>
             </a:fld>
             <a:endParaRPr lang="en-US"/>
           </a:p>
@@ -1339,7 +1332,6 @@
               <a:rPr lang="en-US"/>
               <a:t>Click to edit Master title style</a:t>
             </a:r>
-            <a:endParaRPr lang="en-US"/>
           </a:p>
         </p:txBody>
       </p:sp>
@@ -1461,7 +1453,6 @@
               <a:rPr lang="en-US"/>
               <a:t>Fifth level</a:t>
             </a:r>
-            <a:endParaRPr lang="en-US"/>
           </a:p>
         </p:txBody>
       </p:sp>
@@ -1583,7 +1574,6 @@
               <a:rPr lang="en-US"/>
               <a:t>Fifth level</a:t>
             </a:r>
-            <a:endParaRPr lang="en-US"/>
           </a:p>
         </p:txBody>
       </p:sp>
@@ -1604,7 +1594,7 @@
           <a:p>
             <a:fld id="{566D4228-6ADE-44F0-B595-939BA284937E}" type="datetimeFigureOut">
               <a:rPr lang="en-US" smtClean="0"/>
-              <a:t>12/6/2016</a:t>
+              <a:t>12/16/2016</a:t>
             </a:fld>
             <a:endParaRPr lang="en-US"/>
           </a:p>
@@ -1701,7 +1691,6 @@
               <a:rPr lang="en-US"/>
               <a:t>Click to edit Master title style</a:t>
             </a:r>
-            <a:endParaRPr lang="en-US"/>
           </a:p>
         </p:txBody>
       </p:sp>
@@ -1722,7 +1711,7 @@
           <a:p>
             <a:fld id="{566D4228-6ADE-44F0-B595-939BA284937E}" type="datetimeFigureOut">
               <a:rPr lang="en-US" smtClean="0"/>
-              <a:t>12/6/2016</a:t>
+              <a:t>12/16/2016</a:t>
             </a:fld>
             <a:endParaRPr lang="en-US"/>
           </a:p>
@@ -1817,7 +1806,7 @@
           <a:p>
             <a:fld id="{566D4228-6ADE-44F0-B595-939BA284937E}" type="datetimeFigureOut">
               <a:rPr lang="en-US" smtClean="0"/>
-              <a:t>12/6/2016</a:t>
+              <a:t>12/16/2016</a:t>
             </a:fld>
             <a:endParaRPr lang="en-US"/>
           </a:p>
@@ -1923,7 +1912,6 @@
               <a:rPr lang="en-US"/>
               <a:t>Click to edit Master title style</a:t>
             </a:r>
-            <a:endParaRPr lang="en-US"/>
           </a:p>
         </p:txBody>
       </p:sp>
@@ -2008,7 +1996,6 @@
               <a:rPr lang="en-US"/>
               <a:t>Fifth level</a:t>
             </a:r>
-            <a:endParaRPr lang="en-US"/>
           </a:p>
         </p:txBody>
       </p:sp>
@@ -2094,7 +2081,7 @@
           <a:p>
             <a:fld id="{566D4228-6ADE-44F0-B595-939BA284937E}" type="datetimeFigureOut">
               <a:rPr lang="en-US" smtClean="0"/>
-              <a:t>12/6/2016</a:t>
+              <a:t>12/16/2016</a:t>
             </a:fld>
             <a:endParaRPr lang="en-US"/>
           </a:p>
@@ -2200,7 +2187,6 @@
               <a:rPr lang="en-US"/>
               <a:t>Click to edit Master title style</a:t>
             </a:r>
-            <a:endParaRPr lang="en-US"/>
           </a:p>
         </p:txBody>
       </p:sp>
@@ -2347,7 +2333,7 @@
           <a:p>
             <a:fld id="{566D4228-6ADE-44F0-B595-939BA284937E}" type="datetimeFigureOut">
               <a:rPr lang="en-US" smtClean="0"/>
-              <a:t>12/6/2016</a:t>
+              <a:t>12/16/2016</a:t>
             </a:fld>
             <a:endParaRPr lang="en-US"/>
           </a:p>
@@ -2459,7 +2445,6 @@
               <a:rPr lang="en-US"/>
               <a:t>Click to edit Master title style</a:t>
             </a:r>
-            <a:endParaRPr lang="en-US"/>
           </a:p>
         </p:txBody>
       </p:sp>
@@ -2521,7 +2506,6 @@
               <a:rPr lang="en-US"/>
               <a:t>Fifth level</a:t>
             </a:r>
-            <a:endParaRPr lang="en-US"/>
           </a:p>
         </p:txBody>
       </p:sp>
@@ -2560,7 +2544,7 @@
           <a:p>
             <a:fld id="{566D4228-6ADE-44F0-B595-939BA284937E}" type="datetimeFigureOut">
               <a:rPr lang="en-US" smtClean="0"/>
-              <a:t>12/6/2016</a:t>
+              <a:t>12/16/2016</a:t>
             </a:fld>
             <a:endParaRPr lang="en-US"/>
           </a:p>
@@ -3068,7 +3052,7 @@
       </p:sp>
       <p:pic>
         <p:nvPicPr>
-          <p:cNvPr id="8" name="Picture 7"/>
+          <p:cNvPr id="12" name="Picture 11"/>
           <p:cNvPicPr>
             <a:picLocks noChangeAspect="1"/>
           </p:cNvPicPr>
@@ -3092,8 +3076,8 @@
         </p:blipFill>
         <p:spPr>
           <a:xfrm>
-            <a:off x="3025330" y="2418115"/>
-            <a:ext cx="340000" cy="325714"/>
+            <a:off x="3025330" y="2418116"/>
+            <a:ext cx="226667" cy="217143"/>
           </a:xfrm>
           <a:prstGeom prst="rect">
             <a:avLst/>
@@ -3102,7 +3086,7 @@
       </p:pic>
       <p:pic>
         <p:nvPicPr>
-          <p:cNvPr id="10" name="Picture 9"/>
+          <p:cNvPr id="9" name="Picture 8"/>
           <p:cNvPicPr>
             <a:picLocks noChangeAspect="1"/>
           </p:cNvPicPr>
@@ -3126,8 +3110,8 @@
         </p:blipFill>
         <p:spPr>
           <a:xfrm>
-            <a:off x="8870690" y="2379745"/>
-            <a:ext cx="348571" cy="325714"/>
+            <a:off x="8935655" y="2418115"/>
+            <a:ext cx="232381" cy="217143"/>
           </a:xfrm>
           <a:prstGeom prst="rect">
             <a:avLst/>
@@ -3285,7 +3269,7 @@
       </p:sp>
       <p:pic>
         <p:nvPicPr>
-          <p:cNvPr id="15" name="Picture 14"/>
+          <p:cNvPr id="6" name="Picture 5"/>
           <p:cNvPicPr>
             <a:picLocks noChangeAspect="1"/>
           </p:cNvPicPr>
@@ -3309,8 +3293,8 @@
         </p:blipFill>
         <p:spPr>
           <a:xfrm>
-            <a:off x="7051043" y="3230882"/>
-            <a:ext cx="567143" cy="191429"/>
+            <a:off x="7032126" y="3230305"/>
+            <a:ext cx="756190" cy="255238"/>
           </a:xfrm>
           <a:prstGeom prst="rect">
             <a:avLst/>
@@ -3372,7 +3356,7 @@
       </p:sp>
       <p:pic>
         <p:nvPicPr>
-          <p:cNvPr id="20" name="Picture 19"/>
+          <p:cNvPr id="7" name="Picture 6"/>
           <p:cNvPicPr>
             <a:picLocks noChangeAspect="1"/>
           </p:cNvPicPr>
@@ -3397,7 +3381,7 @@
         <p:spPr>
           <a:xfrm>
             <a:off x="6654800" y="3474720"/>
-            <a:ext cx="157143" cy="164285"/>
+            <a:ext cx="209524" cy="219048"/>
           </a:xfrm>
           <a:prstGeom prst="rect">
             <a:avLst/>
@@ -3542,7 +3526,7 @@
       </p:pic>
       <p:pic>
         <p:nvPicPr>
-          <p:cNvPr id="29" name="Picture 28"/>
+          <p:cNvPr id="16" name="Picture 15"/>
           <p:cNvPicPr>
             <a:picLocks noChangeAspect="1"/>
           </p:cNvPicPr>
@@ -3566,8 +3550,8 @@
         </p:blipFill>
         <p:spPr>
           <a:xfrm>
-            <a:off x="5923280" y="2143762"/>
-            <a:ext cx="108000" cy="147430"/>
+            <a:off x="5922630" y="2184481"/>
+            <a:ext cx="120000" cy="163810"/>
           </a:xfrm>
           <a:prstGeom prst="rect">
             <a:avLst/>
@@ -3576,7 +3560,7 @@
       </p:pic>
       <p:pic>
         <p:nvPicPr>
-          <p:cNvPr id="28" name="Picture 27"/>
+          <p:cNvPr id="17" name="Picture 16"/>
           <p:cNvPicPr>
             <a:picLocks noChangeAspect="1"/>
           </p:cNvPicPr>
@@ -3600,8 +3584,8 @@
         </p:blipFill>
         <p:spPr>
           <a:xfrm>
-            <a:off x="9956801" y="3870962"/>
-            <a:ext cx="114856" cy="102856"/>
+            <a:off x="9890210" y="3847515"/>
+            <a:ext cx="127619" cy="114286"/>
           </a:xfrm>
           <a:prstGeom prst="rect">
             <a:avLst/>
@@ -4058,7 +4042,7 @@
 <file path=ppt/tags/tag1.xml><?xml version="1.0" encoding="utf-8"?>
 <p:tagLst xmlns:a="http://schemas.openxmlformats.org/drawingml/2006/main" xmlns:r="http://schemas.openxmlformats.org/officeDocument/2006/relationships" xmlns:p="http://schemas.openxmlformats.org/presentationml/2006/main">
   <p:tag name="LATEXADDIN" val="\documentclass{article}&#10;\usepackage{amsmath}&#10;\pagestyle{empty}&#10;\begin{document}&#10;&#10;$S_1$&#10;&#10;&#10;\end{document}"/>
-  <p:tag name="IGUANATEXSIZE" val="30"/>
+  <p:tag name="IGUANATEXSIZE" val="20"/>
 </p:tagLst>
 </file>
 
@@ -4072,21 +4056,21 @@
 <file path=ppt/tags/tag2.xml><?xml version="1.0" encoding="utf-8"?>
 <p:tagLst xmlns:a="http://schemas.openxmlformats.org/drawingml/2006/main" xmlns:r="http://schemas.openxmlformats.org/officeDocument/2006/relationships" xmlns:p="http://schemas.openxmlformats.org/presentationml/2006/main">
   <p:tag name="LATEXADDIN" val="\documentclass{article}&#10;\usepackage{amsmath}&#10;\pagestyle{empty}&#10;\begin{document}&#10;&#10;$S_2$&#10;&#10;&#10;\end{document}"/>
-  <p:tag name="IGUANATEXSIZE" val="30"/>
+  <p:tag name="IGUANATEXSIZE" val="20"/>
 </p:tagLst>
 </file>
 
 <file path=ppt/tags/tag3.xml><?xml version="1.0" encoding="utf-8"?>
 <p:tagLst xmlns:a="http://schemas.openxmlformats.org/drawingml/2006/main" xmlns:r="http://schemas.openxmlformats.org/officeDocument/2006/relationships" xmlns:p="http://schemas.openxmlformats.org/presentationml/2006/main">
   <p:tag name="LATEXADDIN" val="\documentclass{article}&#10;\usepackage{amsmath}&#10;\pagestyle{empty}&#10;\begin{document}&#10;&#10;&#10;$(x_0,y_0)$&#10;&#10;\end{document}"/>
-  <p:tag name="IGUANATEXSIZE" val="15"/>
+  <p:tag name="IGUANATEXSIZE" val="20"/>
 </p:tagLst>
 </file>
 
 <file path=ppt/tags/tag4.xml><?xml version="1.0" encoding="utf-8"?>
 <p:tagLst xmlns:a="http://schemas.openxmlformats.org/drawingml/2006/main" xmlns:r="http://schemas.openxmlformats.org/officeDocument/2006/relationships" xmlns:p="http://schemas.openxmlformats.org/presentationml/2006/main">
   <p:tag name="LATEXADDIN" val="\documentclass{article}&#10;\usepackage{amsmath}&#10;\pagestyle{empty}&#10;\begin{document}&#10;&#10;&#10;$\theta_k$&#10;&#10;\end{document}"/>
-  <p:tag name="IGUANATEXSIZE" val="15"/>
+  <p:tag name="IGUANATEXSIZE" val="20"/>
 </p:tagLst>
 </file>
 
@@ -4107,14 +4091,14 @@
 <file path=ppt/tags/tag7.xml><?xml version="1.0" encoding="utf-8"?>
 <p:tagLst xmlns:a="http://schemas.openxmlformats.org/drawingml/2006/main" xmlns:r="http://schemas.openxmlformats.org/officeDocument/2006/relationships" xmlns:p="http://schemas.openxmlformats.org/presentationml/2006/main">
   <p:tag name="LATEXADDIN" val="\documentclass{article}&#10;\usepackage{amsmath}&#10;\pagestyle{empty}&#10;\begin{document}&#10;&#10;&#10;$y$&#10;&#10;\end{document}"/>
-  <p:tag name="IGUANATEXSIZE" val="18"/>
+  <p:tag name="IGUANATEXSIZE" val="20"/>
 </p:tagLst>
 </file>
 
 <file path=ppt/tags/tag8.xml><?xml version="1.0" encoding="utf-8"?>
 <p:tagLst xmlns:a="http://schemas.openxmlformats.org/drawingml/2006/main" xmlns:r="http://schemas.openxmlformats.org/officeDocument/2006/relationships" xmlns:p="http://schemas.openxmlformats.org/presentationml/2006/main">
   <p:tag name="LATEXADDIN" val="\documentclass{article}&#10;\usepackage{amsmath}&#10;\pagestyle{empty}&#10;\begin{document}&#10;&#10;&#10;$x$&#10;&#10;\end{document}"/>
-  <p:tag name="IGUANATEXSIZE" val="18"/>
+  <p:tag name="IGUANATEXSIZE" val="20"/>
 </p:tagLst>
 </file>
 
